--- a/Introduction/MachineLearningFrameworks.pptx
+++ b/Introduction/MachineLearningFrameworks.pptx
@@ -7,13 +7,14 @@
   <p:sldIdLst>
     <p:sldId id="257" r:id="rId2"/>
     <p:sldId id="258" r:id="rId3"/>
-    <p:sldId id="288" r:id="rId4"/>
-    <p:sldId id="289" r:id="rId5"/>
+    <p:sldId id="289" r:id="rId4"/>
+    <p:sldId id="294" r:id="rId5"/>
     <p:sldId id="290" r:id="rId6"/>
-    <p:sldId id="291" r:id="rId7"/>
-    <p:sldId id="292" r:id="rId8"/>
-    <p:sldId id="293" r:id="rId9"/>
-    <p:sldId id="287" r:id="rId10"/>
+    <p:sldId id="295" r:id="rId7"/>
+    <p:sldId id="291" r:id="rId8"/>
+    <p:sldId id="292" r:id="rId9"/>
+    <p:sldId id="293" r:id="rId10"/>
+    <p:sldId id="287" r:id="rId11"/>
   </p:sldIdLst>
   <p:sldSz cx="9144000" cy="6858000" type="screen4x3"/>
   <p:notesSz cx="6858000" cy="9144000"/>
@@ -297,7 +298,7 @@
             <a:fld id="{1D8BD707-D9CF-40AE-B4C6-C98DA3205C09}" type="datetimeFigureOut">
               <a:rPr lang="en-US" smtClean="0"/>
               <a:pPr/>
-              <a:t>1/18/2023</a:t>
+              <a:t>1/19/2023</a:t>
             </a:fld>
             <a:endParaRPr lang="en-US"/>
           </a:p>
@@ -464,7 +465,7 @@
             <a:fld id="{1D8BD707-D9CF-40AE-B4C6-C98DA3205C09}" type="datetimeFigureOut">
               <a:rPr lang="en-US" smtClean="0"/>
               <a:pPr/>
-              <a:t>1/18/2023</a:t>
+              <a:t>1/19/2023</a:t>
             </a:fld>
             <a:endParaRPr lang="en-US"/>
           </a:p>
@@ -641,7 +642,7 @@
             <a:fld id="{1D8BD707-D9CF-40AE-B4C6-C98DA3205C09}" type="datetimeFigureOut">
               <a:rPr lang="en-US" smtClean="0"/>
               <a:pPr/>
-              <a:t>1/18/2023</a:t>
+              <a:t>1/19/2023</a:t>
             </a:fld>
             <a:endParaRPr lang="en-US"/>
           </a:p>
@@ -808,7 +809,7 @@
             <a:fld id="{1D8BD707-D9CF-40AE-B4C6-C98DA3205C09}" type="datetimeFigureOut">
               <a:rPr lang="en-US" smtClean="0"/>
               <a:pPr/>
-              <a:t>1/18/2023</a:t>
+              <a:t>1/19/2023</a:t>
             </a:fld>
             <a:endParaRPr lang="en-US"/>
           </a:p>
@@ -1051,7 +1052,7 @@
             <a:fld id="{1D8BD707-D9CF-40AE-B4C6-C98DA3205C09}" type="datetimeFigureOut">
               <a:rPr lang="en-US" smtClean="0"/>
               <a:pPr/>
-              <a:t>1/18/2023</a:t>
+              <a:t>1/19/2023</a:t>
             </a:fld>
             <a:endParaRPr lang="en-US"/>
           </a:p>
@@ -1336,7 +1337,7 @@
             <a:fld id="{1D8BD707-D9CF-40AE-B4C6-C98DA3205C09}" type="datetimeFigureOut">
               <a:rPr lang="en-US" smtClean="0"/>
               <a:pPr/>
-              <a:t>1/18/2023</a:t>
+              <a:t>1/19/2023</a:t>
             </a:fld>
             <a:endParaRPr lang="en-US"/>
           </a:p>
@@ -1755,7 +1756,7 @@
             <a:fld id="{1D8BD707-D9CF-40AE-B4C6-C98DA3205C09}" type="datetimeFigureOut">
               <a:rPr lang="en-US" smtClean="0"/>
               <a:pPr/>
-              <a:t>1/18/2023</a:t>
+              <a:t>1/19/2023</a:t>
             </a:fld>
             <a:endParaRPr lang="en-US"/>
           </a:p>
@@ -1870,7 +1871,7 @@
             <a:fld id="{1D8BD707-D9CF-40AE-B4C6-C98DA3205C09}" type="datetimeFigureOut">
               <a:rPr lang="en-US" smtClean="0"/>
               <a:pPr/>
-              <a:t>1/18/2023</a:t>
+              <a:t>1/19/2023</a:t>
             </a:fld>
             <a:endParaRPr lang="en-US"/>
           </a:p>
@@ -1962,7 +1963,7 @@
             <a:fld id="{1D8BD707-D9CF-40AE-B4C6-C98DA3205C09}" type="datetimeFigureOut">
               <a:rPr lang="en-US" smtClean="0"/>
               <a:pPr/>
-              <a:t>1/18/2023</a:t>
+              <a:t>1/19/2023</a:t>
             </a:fld>
             <a:endParaRPr lang="en-US"/>
           </a:p>
@@ -2236,7 +2237,7 @@
             <a:fld id="{1D8BD707-D9CF-40AE-B4C6-C98DA3205C09}" type="datetimeFigureOut">
               <a:rPr lang="en-US" smtClean="0"/>
               <a:pPr/>
-              <a:t>1/18/2023</a:t>
+              <a:t>1/19/2023</a:t>
             </a:fld>
             <a:endParaRPr lang="en-US"/>
           </a:p>
@@ -2486,7 +2487,7 @@
             <a:fld id="{1D8BD707-D9CF-40AE-B4C6-C98DA3205C09}" type="datetimeFigureOut">
               <a:rPr lang="en-US" smtClean="0"/>
               <a:pPr/>
-              <a:t>1/18/2023</a:t>
+              <a:t>1/19/2023</a:t>
             </a:fld>
             <a:endParaRPr lang="en-US"/>
           </a:p>
@@ -2696,7 +2697,7 @@
             <a:fld id="{1D8BD707-D9CF-40AE-B4C6-C98DA3205C09}" type="datetimeFigureOut">
               <a:rPr lang="en-US" smtClean="0"/>
               <a:pPr/>
-              <a:t>1/18/2023</a:t>
+              <a:t>1/19/2023</a:t>
             </a:fld>
             <a:endParaRPr lang="en-US"/>
           </a:p>
@@ -3107,18 +3108,109 @@
         </p:nvSpPr>
         <p:spPr/>
         <p:txBody>
-          <a:bodyPr/>
+          <a:bodyPr>
+            <a:normAutofit fontScale="92500"/>
+          </a:bodyPr>
           <a:lstStyle/>
           <a:p>
             <a:r>
               <a:rPr lang="en-US" dirty="0" smtClean="0"/>
-              <a:t>Computer Division</a:t>
+              <a:t>Pritam Prakash Shete</a:t>
             </a:r>
           </a:p>
           <a:p>
             <a:r>
               <a:rPr lang="en-US" dirty="0" smtClean="0"/>
-              <a:t>Bhabha Atomic Research Centre</a:t>
+              <a:t>Computer Division, BARC </a:t>
+            </a:r>
+            <a:endParaRPr lang="en-US" dirty="0" smtClean="0"/>
+          </a:p>
+          <a:p>
+            <a:r>
+              <a:rPr lang="en-IN" dirty="0" smtClean="0"/>
+              <a:t>Centre </a:t>
+            </a:r>
+            <a:r>
+              <a:rPr lang="en-IN" dirty="0" smtClean="0"/>
+              <a:t>for Excellence in Basic Sciences </a:t>
+            </a:r>
+            <a:endParaRPr lang="en-US" dirty="0" smtClean="0"/>
+          </a:p>
+        </p:txBody>
+      </p:sp>
+    </p:spTree>
+  </p:cSld>
+  <p:clrMapOvr>
+    <a:masterClrMapping/>
+  </p:clrMapOvr>
+  <p:timing>
+    <p:tnLst>
+      <p:par>
+        <p:cTn id="1" dur="indefinite" restart="never" nodeType="tmRoot"/>
+      </p:par>
+    </p:tnLst>
+  </p:timing>
+</p:sld>
+</file>
+
+<file path=ppt/slides/slide10.xml><?xml version="1.0" encoding="utf-8"?>
+<p:sld xmlns:a="http://schemas.openxmlformats.org/drawingml/2006/main" xmlns:r="http://schemas.openxmlformats.org/officeDocument/2006/relationships" xmlns:p="http://schemas.openxmlformats.org/presentationml/2006/main">
+  <p:cSld>
+    <p:spTree>
+      <p:nvGrpSpPr>
+        <p:cNvPr id="1" name=""/>
+        <p:cNvGrpSpPr/>
+        <p:nvPr/>
+      </p:nvGrpSpPr>
+      <p:grpSpPr>
+        <a:xfrm>
+          <a:off x="0" y="0"/>
+          <a:ext cx="0" cy="0"/>
+          <a:chOff x="0" y="0"/>
+          <a:chExt cx="0" cy="0"/>
+        </a:xfrm>
+      </p:grpSpPr>
+      <p:sp>
+        <p:nvSpPr>
+          <p:cNvPr id="2" name="Title 1"/>
+          <p:cNvSpPr>
+            <a:spLocks noGrp="1"/>
+          </p:cNvSpPr>
+          <p:nvPr>
+            <p:ph type="ctrTitle"/>
+          </p:nvPr>
+        </p:nvSpPr>
+        <p:spPr/>
+        <p:txBody>
+          <a:bodyPr/>
+          <a:lstStyle/>
+          <a:p>
+            <a:r>
+              <a:rPr lang="en-US" dirty="0" smtClean="0"/>
+              <a:t>Questions?</a:t>
+            </a:r>
+            <a:endParaRPr lang="en-US" dirty="0"/>
+          </a:p>
+        </p:txBody>
+      </p:sp>
+      <p:sp>
+        <p:nvSpPr>
+          <p:cNvPr id="3" name="Subtitle 2"/>
+          <p:cNvSpPr>
+            <a:spLocks noGrp="1"/>
+          </p:cNvSpPr>
+          <p:nvPr>
+            <p:ph type="subTitle" idx="1"/>
+          </p:nvPr>
+        </p:nvSpPr>
+        <p:spPr/>
+        <p:txBody>
+          <a:bodyPr/>
+          <a:lstStyle/>
+          <a:p>
+            <a:r>
+              <a:rPr lang="en-US" dirty="0" smtClean="0"/>
+              <a:t>Thank you</a:t>
             </a:r>
             <a:endParaRPr lang="en-US" dirty="0"/>
           </a:p>
@@ -3196,14 +3288,9 @@
           <a:p>
             <a:r>
               <a:rPr lang="en-IN" dirty="0" smtClean="0"/>
-              <a:t>Introduction</a:t>
-            </a:r>
-          </a:p>
-          <a:p>
-            <a:r>
-              <a:rPr lang="en-IN" dirty="0" smtClean="0"/>
               <a:t>TensorFlow</a:t>
             </a:r>
+            <a:endParaRPr lang="en-IN" dirty="0" smtClean="0"/>
           </a:p>
           <a:p>
             <a:r>
@@ -3235,7 +3322,6 @@
               <a:rPr lang="en-IN" dirty="0" smtClean="0"/>
               <a:t> Learn</a:t>
             </a:r>
-            <a:endParaRPr lang="en-IN" dirty="0" smtClean="0"/>
           </a:p>
           <a:p>
             <a:endParaRPr lang="en-IN" dirty="0" smtClean="0"/>
@@ -3291,7 +3377,7 @@
           <a:p>
             <a:r>
               <a:rPr lang="en-IN" dirty="0" smtClean="0"/>
-              <a:t>Introduction</a:t>
+              <a:t>TensorFlow</a:t>
             </a:r>
             <a:endParaRPr lang="en-IN" dirty="0"/>
           </a:p>
@@ -3312,9 +3398,67 @@
           <a:bodyPr/>
           <a:lstStyle/>
           <a:p>
+            <a:r>
+              <a:rPr lang="en-IN" dirty="0" smtClean="0"/>
+              <a:t>Developer </a:t>
+            </a:r>
+            <a:r>
+              <a:rPr lang="en-IN" dirty="0" smtClean="0"/>
+              <a:t>– Google </a:t>
+            </a:r>
+            <a:r>
+              <a:rPr lang="en-IN" dirty="0" smtClean="0"/>
+              <a:t>Brain – Google </a:t>
+            </a:r>
+          </a:p>
+          <a:p>
+            <a:r>
+              <a:rPr lang="en-IN" dirty="0" smtClean="0"/>
+              <a:t>CPU, GPU, and TPU </a:t>
+            </a:r>
+            <a:r>
+              <a:rPr lang="en-IN" dirty="0" smtClean="0"/>
+              <a:t>support</a:t>
+            </a:r>
+          </a:p>
+          <a:p>
+            <a:r>
+              <a:rPr lang="en-IN" dirty="0" smtClean="0"/>
+              <a:t>Platforms – Linux, Windows, and </a:t>
+            </a:r>
+            <a:r>
+              <a:rPr lang="en-IN" dirty="0" err="1" smtClean="0"/>
+              <a:t>macOS</a:t>
+            </a:r>
             <a:endParaRPr lang="en-IN" dirty="0" smtClean="0"/>
           </a:p>
           <a:p>
+            <a:r>
+              <a:rPr lang="en-IN" dirty="0" smtClean="0"/>
+              <a:t>Programming languages </a:t>
+            </a:r>
+          </a:p>
+          <a:p>
+            <a:pPr lvl="1"/>
+            <a:r>
+              <a:rPr lang="en-IN" dirty="0" smtClean="0"/>
+              <a:t>Python, C++, Java</a:t>
+            </a:r>
+            <a:r>
+              <a:rPr lang="en-IN" dirty="0" smtClean="0"/>
+              <a:t>, and </a:t>
+            </a:r>
+            <a:r>
+              <a:rPr lang="en-IN" dirty="0" smtClean="0"/>
+              <a:t>JavaScript</a:t>
+            </a:r>
+            <a:endParaRPr lang="en-IN" dirty="0" smtClean="0"/>
+          </a:p>
+          <a:p>
+            <a:r>
+              <a:rPr lang="en-IN" dirty="0" smtClean="0"/>
+              <a:t>License – Apache License 2.0</a:t>
+            </a:r>
             <a:endParaRPr lang="en-IN" dirty="0" smtClean="0"/>
           </a:p>
         </p:txBody>
@@ -3389,6 +3533,94 @@
           <a:bodyPr/>
           <a:lstStyle/>
           <a:p>
+            <a:r>
+              <a:rPr lang="en-IN" dirty="0" smtClean="0"/>
+              <a:t>Advantages</a:t>
+            </a:r>
+          </a:p>
+          <a:p>
+            <a:pPr lvl="1"/>
+            <a:r>
+              <a:rPr lang="en-IN" dirty="0" smtClean="0"/>
+              <a:t>Efficient</a:t>
+            </a:r>
+          </a:p>
+          <a:p>
+            <a:pPr lvl="1"/>
+            <a:r>
+              <a:rPr lang="en-IN" dirty="0" smtClean="0"/>
+              <a:t>Seamless performance</a:t>
+            </a:r>
+          </a:p>
+          <a:p>
+            <a:pPr lvl="1"/>
+            <a:r>
+              <a:rPr lang="en-IN" dirty="0" smtClean="0"/>
+              <a:t>Quick updates</a:t>
+            </a:r>
+          </a:p>
+          <a:p>
+            <a:pPr lvl="1"/>
+            <a:r>
+              <a:rPr lang="en-IN" dirty="0" smtClean="0"/>
+              <a:t>Allows execution of subparts </a:t>
+            </a:r>
+            <a:r>
+              <a:rPr lang="en-IN" dirty="0" smtClean="0"/>
+              <a:t>of </a:t>
+            </a:r>
+            <a:r>
+              <a:rPr lang="en-IN" dirty="0" smtClean="0"/>
+              <a:t>graph</a:t>
+            </a:r>
+            <a:endParaRPr lang="en-IN" dirty="0" smtClean="0"/>
+          </a:p>
+          <a:p>
+            <a:r>
+              <a:rPr lang="en-IN" dirty="0" smtClean="0"/>
+              <a:t>Disadvantages</a:t>
+            </a:r>
+          </a:p>
+          <a:p>
+            <a:pPr lvl="1"/>
+            <a:r>
+              <a:rPr lang="en-IN" dirty="0" smtClean="0"/>
+              <a:t>Lack speed </a:t>
+            </a:r>
+            <a:r>
+              <a:rPr lang="en-IN" dirty="0" smtClean="0"/>
+              <a:t>as compared to </a:t>
+            </a:r>
+            <a:r>
+              <a:rPr lang="en-IN" dirty="0" err="1" smtClean="0"/>
+              <a:t>PyTorch</a:t>
+            </a:r>
+            <a:endParaRPr lang="en-IN" dirty="0" smtClean="0"/>
+          </a:p>
+          <a:p>
+            <a:pPr lvl="1"/>
+            <a:r>
+              <a:rPr lang="en-IN" dirty="0" smtClean="0"/>
+              <a:t>Lack </a:t>
+            </a:r>
+            <a:r>
+              <a:rPr lang="en-IN" dirty="0" smtClean="0"/>
+              <a:t>usage </a:t>
+            </a:r>
+            <a:r>
+              <a:rPr lang="en-IN" dirty="0" smtClean="0"/>
+              <a:t>as compared to </a:t>
+            </a:r>
+            <a:r>
+              <a:rPr lang="en-IN" dirty="0" err="1" smtClean="0"/>
+              <a:t>PyTorch</a:t>
+            </a:r>
+            <a:endParaRPr lang="en-IN" dirty="0" smtClean="0"/>
+          </a:p>
+          <a:p>
+            <a:endParaRPr lang="en-IN" dirty="0" smtClean="0"/>
+          </a:p>
+          <a:p>
             <a:endParaRPr lang="en-IN" dirty="0" smtClean="0"/>
           </a:p>
         </p:txBody>
@@ -3460,8 +3692,110 @@
         </p:nvSpPr>
         <p:spPr/>
         <p:txBody>
-          <a:bodyPr/>
-          <a:lstStyle/>
+          <a:bodyPr>
+            <a:normAutofit lnSpcReduction="10000"/>
+          </a:bodyPr>
+          <a:lstStyle/>
+          <a:p>
+            <a:r>
+              <a:rPr lang="en-IN" dirty="0" smtClean="0"/>
+              <a:t>Developer </a:t>
+            </a:r>
+            <a:r>
+              <a:rPr lang="en-IN" dirty="0" smtClean="0"/>
+              <a:t>– Google engineer</a:t>
+            </a:r>
+            <a:endParaRPr lang="en-IN" dirty="0" smtClean="0"/>
+          </a:p>
+          <a:p>
+            <a:r>
+              <a:rPr lang="en-IN" dirty="0" smtClean="0"/>
+              <a:t>Higher level API</a:t>
+            </a:r>
+          </a:p>
+          <a:p>
+            <a:r>
+              <a:rPr lang="en-IN" dirty="0" err="1" smtClean="0"/>
+              <a:t>Keras</a:t>
+            </a:r>
+            <a:r>
+              <a:rPr lang="en-IN" dirty="0" smtClean="0"/>
+              <a:t> </a:t>
+            </a:r>
+            <a:r>
+              <a:rPr lang="en-IN" dirty="0" smtClean="0"/>
+              <a:t>– TensorFlow v/s Open source</a:t>
+            </a:r>
+          </a:p>
+          <a:p>
+            <a:r>
+              <a:rPr lang="en-IN" dirty="0" smtClean="0"/>
+              <a:t>Multiple </a:t>
+            </a:r>
+            <a:r>
+              <a:rPr lang="en-IN" dirty="0" smtClean="0"/>
+              <a:t>back-ends </a:t>
+            </a:r>
+            <a:r>
+              <a:rPr lang="en-IN" dirty="0" smtClean="0"/>
+              <a:t>– </a:t>
+            </a:r>
+            <a:r>
+              <a:rPr lang="en-IN" dirty="0" smtClean="0"/>
+              <a:t>TensorFlow, CNTK</a:t>
+            </a:r>
+          </a:p>
+          <a:p>
+            <a:r>
+              <a:rPr lang="en-IN" dirty="0" smtClean="0"/>
+              <a:t>CPU</a:t>
+            </a:r>
+            <a:r>
+              <a:rPr lang="en-IN" dirty="0" smtClean="0"/>
+              <a:t>, </a:t>
+            </a:r>
+            <a:r>
+              <a:rPr lang="en-IN" dirty="0" smtClean="0"/>
+              <a:t>and GPU </a:t>
+            </a:r>
+            <a:r>
+              <a:rPr lang="en-IN" dirty="0" smtClean="0"/>
+              <a:t>support</a:t>
+            </a:r>
+          </a:p>
+          <a:p>
+            <a:r>
+              <a:rPr lang="en-IN" dirty="0" smtClean="0"/>
+              <a:t>Platforms – Linux, </a:t>
+            </a:r>
+            <a:r>
+              <a:rPr lang="en-IN" dirty="0" smtClean="0"/>
+              <a:t>Windows</a:t>
+            </a:r>
+            <a:endParaRPr lang="en-IN" dirty="0" smtClean="0"/>
+          </a:p>
+          <a:p>
+            <a:r>
+              <a:rPr lang="en-IN" dirty="0" smtClean="0"/>
+              <a:t>Programming languages </a:t>
+            </a:r>
+            <a:r>
+              <a:rPr lang="en-IN" dirty="0" smtClean="0"/>
+              <a:t>– Python</a:t>
+            </a:r>
+            <a:endParaRPr lang="en-IN" dirty="0" smtClean="0"/>
+          </a:p>
+          <a:p>
+            <a:r>
+              <a:rPr lang="en-IN" dirty="0" smtClean="0"/>
+              <a:t>License – Apache License </a:t>
+            </a:r>
+            <a:r>
+              <a:rPr lang="en-IN" dirty="0" smtClean="0"/>
+              <a:t>2.0 </a:t>
+            </a:r>
+            <a:endParaRPr lang="en-IN" dirty="0" smtClean="0"/>
+          </a:p>
           <a:p>
             <a:endParaRPr lang="en-IN" dirty="0" smtClean="0"/>
           </a:p>
@@ -3516,7 +3850,7 @@
           <a:p>
             <a:r>
               <a:rPr lang="en-IN" dirty="0" err="1" smtClean="0"/>
-              <a:t>PyTorch</a:t>
+              <a:t>Keras</a:t>
             </a:r>
             <a:endParaRPr lang="en-IN" dirty="0"/>
           </a:p>
@@ -3534,8 +3868,85 @@
         </p:nvSpPr>
         <p:spPr/>
         <p:txBody>
-          <a:bodyPr/>
-          <a:lstStyle/>
+          <a:bodyPr>
+            <a:normAutofit/>
+          </a:bodyPr>
+          <a:lstStyle/>
+          <a:p>
+            <a:r>
+              <a:rPr lang="en-IN" dirty="0" smtClean="0"/>
+              <a:t>Advantages</a:t>
+            </a:r>
+          </a:p>
+          <a:p>
+            <a:pPr lvl="1"/>
+            <a:r>
+              <a:rPr lang="en-IN" dirty="0" smtClean="0"/>
+              <a:t>Collection of </a:t>
+            </a:r>
+            <a:r>
+              <a:rPr lang="en-IN" dirty="0" smtClean="0"/>
+              <a:t>pre-trained </a:t>
+            </a:r>
+            <a:r>
+              <a:rPr lang="en-IN" dirty="0" smtClean="0"/>
+              <a:t>models</a:t>
+            </a:r>
+          </a:p>
+          <a:p>
+            <a:pPr lvl="1"/>
+            <a:r>
+              <a:rPr lang="en-IN" dirty="0" smtClean="0"/>
+              <a:t>High level </a:t>
+            </a:r>
+            <a:r>
+              <a:rPr lang="en-IN" dirty="0" smtClean="0"/>
+              <a:t>API </a:t>
+            </a:r>
+            <a:endParaRPr lang="en-IN" dirty="0" smtClean="0"/>
+          </a:p>
+          <a:p>
+            <a:pPr lvl="1"/>
+            <a:r>
+              <a:rPr lang="en-IN" dirty="0" smtClean="0"/>
+              <a:t>Support multiple platforms back-ends</a:t>
+            </a:r>
+            <a:endParaRPr lang="en-IN" dirty="0" smtClean="0"/>
+          </a:p>
+          <a:p>
+            <a:pPr lvl="1"/>
+            <a:r>
+              <a:rPr lang="en-IN" dirty="0" smtClean="0"/>
+              <a:t>Rapid prototyping</a:t>
+            </a:r>
+            <a:endParaRPr lang="en-IN" dirty="0" smtClean="0"/>
+          </a:p>
+          <a:p>
+            <a:r>
+              <a:rPr lang="en-IN" dirty="0" smtClean="0"/>
+              <a:t>Disadvantages</a:t>
+            </a:r>
+          </a:p>
+          <a:p>
+            <a:pPr lvl="1"/>
+            <a:r>
+              <a:rPr lang="en-IN" dirty="0" smtClean="0"/>
+              <a:t>Cannot handle low level computation</a:t>
+            </a:r>
+            <a:endParaRPr lang="en-IN" dirty="0" smtClean="0"/>
+          </a:p>
+          <a:p>
+            <a:pPr lvl="1"/>
+            <a:r>
+              <a:rPr lang="en-IN" dirty="0" smtClean="0"/>
+              <a:t>Difficult to identify framework errors</a:t>
+            </a:r>
+            <a:endParaRPr lang="en-IN" dirty="0" smtClean="0"/>
+          </a:p>
+          <a:p>
+            <a:pPr lvl="1"/>
+            <a:endParaRPr lang="en-IN" dirty="0" smtClean="0"/>
+          </a:p>
           <a:p>
             <a:endParaRPr lang="en-IN" dirty="0" smtClean="0"/>
           </a:p>
@@ -3590,7 +4001,7 @@
           <a:p>
             <a:r>
               <a:rPr lang="en-IN" dirty="0" err="1" smtClean="0"/>
-              <a:t>MXNet</a:t>
+              <a:t>PyTorch</a:t>
             </a:r>
             <a:endParaRPr lang="en-IN" dirty="0"/>
           </a:p>
@@ -3610,9 +4021,6 @@
         <p:txBody>
           <a:bodyPr/>
           <a:lstStyle/>
-          <a:p>
-            <a:endParaRPr lang="en-IN" dirty="0" smtClean="0"/>
-          </a:p>
           <a:p>
             <a:endParaRPr lang="en-IN" dirty="0" smtClean="0"/>
           </a:p>
@@ -3667,11 +4075,7 @@
           <a:p>
             <a:r>
               <a:rPr lang="en-IN" dirty="0" err="1" smtClean="0"/>
-              <a:t>Scikit</a:t>
-            </a:r>
-            <a:r>
-              <a:rPr lang="en-IN" dirty="0" smtClean="0"/>
-              <a:t> Learn</a:t>
+              <a:t>MXNet</a:t>
             </a:r>
             <a:endParaRPr lang="en-IN" dirty="0"/>
           </a:p>
@@ -3691,6 +4095,9 @@
         <p:txBody>
           <a:bodyPr/>
           <a:lstStyle/>
+          <a:p>
+            <a:endParaRPr lang="en-IN" dirty="0" smtClean="0"/>
+          </a:p>
           <a:p>
             <a:endParaRPr lang="en-IN" dirty="0" smtClean="0"/>
           </a:p>
@@ -3735,42 +4142,42 @@
             <a:spLocks noGrp="1"/>
           </p:cNvSpPr>
           <p:nvPr>
-            <p:ph type="ctrTitle"/>
-          </p:nvPr>
-        </p:nvSpPr>
-        <p:spPr/>
-        <p:txBody>
-          <a:bodyPr/>
-          <a:lstStyle/>
-          <a:p>
-            <a:r>
-              <a:rPr lang="en-US" dirty="0" smtClean="0"/>
-              <a:t>Questions?</a:t>
-            </a:r>
-            <a:endParaRPr lang="en-US" dirty="0"/>
-          </a:p>
-        </p:txBody>
-      </p:sp>
-      <p:sp>
-        <p:nvSpPr>
-          <p:cNvPr id="3" name="Subtitle 2"/>
-          <p:cNvSpPr>
-            <a:spLocks noGrp="1"/>
-          </p:cNvSpPr>
-          <p:nvPr>
-            <p:ph type="subTitle" idx="1"/>
-          </p:nvPr>
-        </p:nvSpPr>
-        <p:spPr/>
-        <p:txBody>
-          <a:bodyPr/>
-          <a:lstStyle/>
-          <a:p>
-            <a:r>
-              <a:rPr lang="en-US" dirty="0" smtClean="0"/>
-              <a:t>Thank you</a:t>
-            </a:r>
-            <a:endParaRPr lang="en-US" dirty="0"/>
+            <p:ph type="title"/>
+          </p:nvPr>
+        </p:nvSpPr>
+        <p:spPr/>
+        <p:txBody>
+          <a:bodyPr/>
+          <a:lstStyle/>
+          <a:p>
+            <a:r>
+              <a:rPr lang="en-IN" dirty="0" err="1" smtClean="0"/>
+              <a:t>Scikit</a:t>
+            </a:r>
+            <a:r>
+              <a:rPr lang="en-IN" dirty="0" smtClean="0"/>
+              <a:t> Learn</a:t>
+            </a:r>
+            <a:endParaRPr lang="en-IN" dirty="0"/>
+          </a:p>
+        </p:txBody>
+      </p:sp>
+      <p:sp>
+        <p:nvSpPr>
+          <p:cNvPr id="3" name="Content Placeholder 2"/>
+          <p:cNvSpPr>
+            <a:spLocks noGrp="1"/>
+          </p:cNvSpPr>
+          <p:nvPr>
+            <p:ph idx="1"/>
+          </p:nvPr>
+        </p:nvSpPr>
+        <p:spPr/>
+        <p:txBody>
+          <a:bodyPr/>
+          <a:lstStyle/>
+          <a:p>
+            <a:endParaRPr lang="en-IN" dirty="0" smtClean="0"/>
           </a:p>
         </p:txBody>
       </p:sp>

--- a/Introduction/MachineLearningFrameworks.pptx
+++ b/Introduction/MachineLearningFrameworks.pptx
@@ -12,9 +12,10 @@
     <p:sldId id="290" r:id="rId6"/>
     <p:sldId id="295" r:id="rId7"/>
     <p:sldId id="291" r:id="rId8"/>
-    <p:sldId id="292" r:id="rId9"/>
-    <p:sldId id="293" r:id="rId10"/>
-    <p:sldId id="287" r:id="rId11"/>
+    <p:sldId id="296" r:id="rId9"/>
+    <p:sldId id="292" r:id="rId10"/>
+    <p:sldId id="293" r:id="rId11"/>
+    <p:sldId id="287" r:id="rId12"/>
   </p:sldIdLst>
   <p:sldSz cx="9144000" cy="6858000" type="screen4x3"/>
   <p:notesSz cx="6858000" cy="9144000"/>
@@ -3177,6 +3178,84 @@
             <a:spLocks noGrp="1"/>
           </p:cNvSpPr>
           <p:nvPr>
+            <p:ph type="title"/>
+          </p:nvPr>
+        </p:nvSpPr>
+        <p:spPr/>
+        <p:txBody>
+          <a:bodyPr/>
+          <a:lstStyle/>
+          <a:p>
+            <a:r>
+              <a:rPr lang="en-IN" dirty="0" err="1" smtClean="0"/>
+              <a:t>Scikit</a:t>
+            </a:r>
+            <a:r>
+              <a:rPr lang="en-IN" dirty="0" smtClean="0"/>
+              <a:t> Learn</a:t>
+            </a:r>
+            <a:endParaRPr lang="en-IN" dirty="0"/>
+          </a:p>
+        </p:txBody>
+      </p:sp>
+      <p:sp>
+        <p:nvSpPr>
+          <p:cNvPr id="3" name="Content Placeholder 2"/>
+          <p:cNvSpPr>
+            <a:spLocks noGrp="1"/>
+          </p:cNvSpPr>
+          <p:nvPr>
+            <p:ph idx="1"/>
+          </p:nvPr>
+        </p:nvSpPr>
+        <p:spPr/>
+        <p:txBody>
+          <a:bodyPr/>
+          <a:lstStyle/>
+          <a:p>
+            <a:endParaRPr lang="en-IN" dirty="0" smtClean="0"/>
+          </a:p>
+        </p:txBody>
+      </p:sp>
+    </p:spTree>
+  </p:cSld>
+  <p:clrMapOvr>
+    <a:masterClrMapping/>
+  </p:clrMapOvr>
+  <p:timing>
+    <p:tnLst>
+      <p:par>
+        <p:cTn id="1" dur="indefinite" restart="never" nodeType="tmRoot"/>
+      </p:par>
+    </p:tnLst>
+  </p:timing>
+</p:sld>
+</file>
+
+<file path=ppt/slides/slide11.xml><?xml version="1.0" encoding="utf-8"?>
+<p:sld xmlns:a="http://schemas.openxmlformats.org/drawingml/2006/main" xmlns:r="http://schemas.openxmlformats.org/officeDocument/2006/relationships" xmlns:p="http://schemas.openxmlformats.org/presentationml/2006/main">
+  <p:cSld>
+    <p:spTree>
+      <p:nvGrpSpPr>
+        <p:cNvPr id="1" name=""/>
+        <p:cNvGrpSpPr/>
+        <p:nvPr/>
+      </p:nvGrpSpPr>
+      <p:grpSpPr>
+        <a:xfrm>
+          <a:off x="0" y="0"/>
+          <a:ext cx="0" cy="0"/>
+          <a:chOff x="0" y="0"/>
+          <a:chExt cx="0" cy="0"/>
+        </a:xfrm>
+      </p:grpSpPr>
+      <p:sp>
+        <p:nvSpPr>
+          <p:cNvPr id="2" name="Title 1"/>
+          <p:cNvSpPr>
+            <a:spLocks noGrp="1"/>
+          </p:cNvSpPr>
+          <p:nvPr>
             <p:ph type="ctrTitle"/>
           </p:nvPr>
         </p:nvSpPr>
@@ -3530,7 +3609,9 @@
         </p:nvSpPr>
         <p:spPr/>
         <p:txBody>
-          <a:bodyPr/>
+          <a:bodyPr>
+            <a:normAutofit/>
+          </a:bodyPr>
           <a:lstStyle/>
           <a:p>
             <a:r>
@@ -3556,22 +3637,30 @@
             <a:pPr lvl="1"/>
             <a:r>
               <a:rPr lang="en-IN" dirty="0" smtClean="0"/>
-              <a:t>Quick updates</a:t>
+              <a:t>Allows execution of subparts </a:t>
+            </a:r>
+            <a:r>
+              <a:rPr lang="en-IN" dirty="0" smtClean="0"/>
+              <a:t>of </a:t>
+            </a:r>
+            <a:r>
+              <a:rPr lang="en-IN" dirty="0" smtClean="0"/>
+              <a:t>graph</a:t>
             </a:r>
           </a:p>
           <a:p>
             <a:pPr lvl="1"/>
             <a:r>
               <a:rPr lang="en-IN" dirty="0" smtClean="0"/>
-              <a:t>Allows execution of subparts </a:t>
-            </a:r>
-            <a:r>
-              <a:rPr lang="en-IN" dirty="0" smtClean="0"/>
-              <a:t>of </a:t>
-            </a:r>
-            <a:r>
-              <a:rPr lang="en-IN" dirty="0" smtClean="0"/>
-              <a:t>graph</a:t>
+              <a:t>Data </a:t>
+            </a:r>
+            <a:r>
+              <a:rPr lang="en-IN" dirty="0" smtClean="0"/>
+              <a:t>visualization and monitoring </a:t>
+            </a:r>
+            <a:r>
+              <a:rPr lang="en-IN" dirty="0" smtClean="0"/>
+              <a:t>tools</a:t>
             </a:r>
             <a:endParaRPr lang="en-IN" dirty="0" smtClean="0"/>
           </a:p>
@@ -4022,6 +4111,57 @@
           <a:bodyPr/>
           <a:lstStyle/>
           <a:p>
+            <a:r>
+              <a:rPr lang="en-IN" dirty="0" smtClean="0"/>
+              <a:t>Developers </a:t>
+            </a:r>
+            <a:r>
+              <a:rPr lang="en-IN" dirty="0" smtClean="0"/>
+              <a:t>– Meta AI, </a:t>
+            </a:r>
+            <a:r>
+              <a:rPr lang="en-IN" dirty="0" smtClean="0"/>
+              <a:t>and Linux Foundation </a:t>
+            </a:r>
+            <a:endParaRPr lang="en-IN" dirty="0" smtClean="0"/>
+          </a:p>
+          <a:p>
+            <a:r>
+              <a:rPr lang="en-IN" dirty="0" smtClean="0"/>
+              <a:t>CPU and GPU support</a:t>
+            </a:r>
+            <a:endParaRPr lang="en-IN" dirty="0" smtClean="0"/>
+          </a:p>
+          <a:p>
+            <a:r>
+              <a:rPr lang="en-IN" dirty="0" smtClean="0"/>
+              <a:t>Platforms – Linux, </a:t>
+            </a:r>
+            <a:r>
+              <a:rPr lang="en-IN" dirty="0" smtClean="0"/>
+              <a:t>and Windows</a:t>
+            </a:r>
+            <a:endParaRPr lang="en-IN" dirty="0" smtClean="0"/>
+          </a:p>
+          <a:p>
+            <a:r>
+              <a:rPr lang="en-IN" dirty="0" smtClean="0"/>
+              <a:t>Programming languages </a:t>
+            </a:r>
+          </a:p>
+          <a:p>
+            <a:pPr lvl="1"/>
+            <a:r>
+              <a:rPr lang="en-IN" dirty="0" smtClean="0"/>
+              <a:t>Python and C++</a:t>
+            </a:r>
+            <a:endParaRPr lang="en-IN" dirty="0" smtClean="0"/>
+          </a:p>
+          <a:p>
+            <a:r>
+              <a:rPr lang="en-IN" dirty="0" smtClean="0"/>
+              <a:t>License – BSD-3</a:t>
+            </a:r>
             <a:endParaRPr lang="en-IN" dirty="0" smtClean="0"/>
           </a:p>
         </p:txBody>
@@ -4075,7 +4215,7 @@
           <a:p>
             <a:r>
               <a:rPr lang="en-IN" dirty="0" err="1" smtClean="0"/>
-              <a:t>MXNet</a:t>
+              <a:t>PyTorch</a:t>
             </a:r>
             <a:endParaRPr lang="en-IN" dirty="0"/>
           </a:p>
@@ -4093,9 +4233,72 @@
         </p:nvSpPr>
         <p:spPr/>
         <p:txBody>
-          <a:bodyPr/>
-          <a:lstStyle/>
-          <a:p>
+          <a:bodyPr>
+            <a:normAutofit/>
+          </a:bodyPr>
+          <a:lstStyle/>
+          <a:p>
+            <a:r>
+              <a:rPr lang="en-IN" dirty="0" smtClean="0"/>
+              <a:t>Advantages</a:t>
+            </a:r>
+          </a:p>
+          <a:p>
+            <a:pPr lvl="1"/>
+            <a:r>
+              <a:rPr lang="en-IN" dirty="0" smtClean="0"/>
+              <a:t>Beginner friendly</a:t>
+            </a:r>
+            <a:endParaRPr lang="en-IN" dirty="0" smtClean="0"/>
+          </a:p>
+          <a:p>
+            <a:pPr lvl="1"/>
+            <a:r>
+              <a:rPr lang="en-IN" dirty="0" smtClean="0"/>
+              <a:t>Multiple GPU support</a:t>
+            </a:r>
+            <a:endParaRPr lang="en-IN" dirty="0" smtClean="0"/>
+          </a:p>
+          <a:p>
+            <a:pPr lvl="1"/>
+            <a:r>
+              <a:rPr lang="en-IN" dirty="0" smtClean="0"/>
+              <a:t>Smooth </a:t>
+            </a:r>
+            <a:r>
+              <a:rPr lang="en-IN" dirty="0" smtClean="0"/>
+              <a:t>integration with </a:t>
+            </a:r>
+            <a:r>
+              <a:rPr lang="en-IN" dirty="0" smtClean="0"/>
+              <a:t>Python</a:t>
+            </a:r>
+            <a:endParaRPr lang="en-IN" dirty="0" smtClean="0"/>
+          </a:p>
+          <a:p>
+            <a:r>
+              <a:rPr lang="en-IN" dirty="0" smtClean="0"/>
+              <a:t>Disadvantages</a:t>
+            </a:r>
+          </a:p>
+          <a:p>
+            <a:pPr lvl="1"/>
+            <a:r>
+              <a:rPr lang="en-IN" dirty="0" smtClean="0"/>
+              <a:t>Lack </a:t>
+            </a:r>
+            <a:r>
+              <a:rPr lang="en-IN" dirty="0" smtClean="0"/>
+              <a:t>data visualization and monitoring </a:t>
+            </a:r>
+            <a:r>
+              <a:rPr lang="en-IN" dirty="0" smtClean="0"/>
+              <a:t>tools</a:t>
+            </a:r>
+            <a:endParaRPr lang="en-IN" dirty="0" smtClean="0"/>
+          </a:p>
+          <a:p>
+            <a:pPr lvl="1"/>
             <a:endParaRPr lang="en-IN" dirty="0" smtClean="0"/>
           </a:p>
           <a:p>
@@ -4152,11 +4355,7 @@
           <a:p>
             <a:r>
               <a:rPr lang="en-IN" dirty="0" err="1" smtClean="0"/>
-              <a:t>Scikit</a:t>
-            </a:r>
-            <a:r>
-              <a:rPr lang="en-IN" dirty="0" smtClean="0"/>
-              <a:t> Learn</a:t>
+              <a:t>MXNet</a:t>
             </a:r>
             <a:endParaRPr lang="en-IN" dirty="0"/>
           </a:p>
@@ -4176,6 +4375,9 @@
         <p:txBody>
           <a:bodyPr/>
           <a:lstStyle/>
+          <a:p>
+            <a:endParaRPr lang="en-IN" dirty="0" smtClean="0"/>
+          </a:p>
           <a:p>
             <a:endParaRPr lang="en-IN" dirty="0" smtClean="0"/>
           </a:p>

--- a/Introduction/MachineLearningFrameworks.pptx
+++ b/Introduction/MachineLearningFrameworks.pptx
@@ -14,8 +14,10 @@
     <p:sldId id="291" r:id="rId8"/>
     <p:sldId id="296" r:id="rId9"/>
     <p:sldId id="292" r:id="rId10"/>
-    <p:sldId id="293" r:id="rId11"/>
-    <p:sldId id="287" r:id="rId12"/>
+    <p:sldId id="297" r:id="rId11"/>
+    <p:sldId id="293" r:id="rId12"/>
+    <p:sldId id="298" r:id="rId13"/>
+    <p:sldId id="287" r:id="rId14"/>
   </p:sldIdLst>
   <p:sldSz cx="9144000" cy="6858000" type="screen4x3"/>
   <p:notesSz cx="6858000" cy="9144000"/>
@@ -3188,11 +3190,7 @@
           <a:p>
             <a:r>
               <a:rPr lang="en-IN" dirty="0" err="1" smtClean="0"/>
-              <a:t>Scikit</a:t>
-            </a:r>
-            <a:r>
-              <a:rPr lang="en-IN" dirty="0" smtClean="0"/>
-              <a:t> Learn</a:t>
+              <a:t>MXNet</a:t>
             </a:r>
             <a:endParaRPr lang="en-IN" dirty="0"/>
           </a:p>
@@ -3210,8 +3208,105 @@
         </p:nvSpPr>
         <p:spPr/>
         <p:txBody>
-          <a:bodyPr/>
-          <a:lstStyle/>
+          <a:bodyPr>
+            <a:normAutofit/>
+          </a:bodyPr>
+          <a:lstStyle/>
+          <a:p>
+            <a:r>
+              <a:rPr lang="en-IN" dirty="0" smtClean="0"/>
+              <a:t>Advantages</a:t>
+            </a:r>
+          </a:p>
+          <a:p>
+            <a:pPr lvl="1"/>
+            <a:r>
+              <a:rPr lang="en-IN" dirty="0" smtClean="0"/>
+              <a:t>Scalable</a:t>
+            </a:r>
+            <a:r>
+              <a:rPr lang="en-IN" dirty="0" smtClean="0"/>
+              <a:t>, </a:t>
+            </a:r>
+            <a:r>
+              <a:rPr lang="en-IN" dirty="0" smtClean="0"/>
+              <a:t>efficient </a:t>
+            </a:r>
+            <a:r>
+              <a:rPr lang="en-IN" dirty="0" smtClean="0"/>
+              <a:t>and </a:t>
+            </a:r>
+            <a:r>
+              <a:rPr lang="en-IN" dirty="0" smtClean="0"/>
+              <a:t>fast</a:t>
+            </a:r>
+            <a:endParaRPr lang="en-IN" dirty="0" smtClean="0"/>
+          </a:p>
+          <a:p>
+            <a:pPr lvl="1"/>
+            <a:r>
+              <a:rPr lang="en-IN" dirty="0" smtClean="0"/>
+              <a:t>Supports R</a:t>
+            </a:r>
+            <a:r>
+              <a:rPr lang="en-IN" dirty="0" smtClean="0"/>
+              <a:t>, </a:t>
+            </a:r>
+            <a:r>
+              <a:rPr lang="en-IN" dirty="0" err="1" smtClean="0"/>
+              <a:t>Scala</a:t>
+            </a:r>
+            <a:r>
+              <a:rPr lang="en-IN" dirty="0" smtClean="0"/>
+              <a:t>, Python, </a:t>
+            </a:r>
+            <a:r>
+              <a:rPr lang="en-IN" dirty="0" smtClean="0"/>
+              <a:t>JavaScript and C++</a:t>
+            </a:r>
+          </a:p>
+          <a:p>
+            <a:r>
+              <a:rPr lang="en-IN" dirty="0" smtClean="0"/>
+              <a:t>Disadvantages</a:t>
+            </a:r>
+          </a:p>
+          <a:p>
+            <a:pPr lvl="1"/>
+            <a:r>
+              <a:rPr lang="en-IN" dirty="0" smtClean="0"/>
+              <a:t>Less open source </a:t>
+            </a:r>
+            <a:r>
+              <a:rPr lang="en-IN" dirty="0" smtClean="0"/>
+              <a:t>community </a:t>
+            </a:r>
+            <a:r>
+              <a:rPr lang="en-IN" dirty="0" smtClean="0"/>
+              <a:t>support</a:t>
+            </a:r>
+            <a:endParaRPr lang="en-IN" dirty="0" smtClean="0"/>
+          </a:p>
+          <a:p>
+            <a:pPr lvl="1"/>
+            <a:r>
+              <a:rPr lang="en-IN" dirty="0" smtClean="0"/>
+              <a:t>Longer time for bug </a:t>
+            </a:r>
+            <a:r>
+              <a:rPr lang="en-IN" dirty="0" smtClean="0"/>
+              <a:t>fixes and feature </a:t>
+            </a:r>
+            <a:r>
+              <a:rPr lang="en-IN" dirty="0" smtClean="0"/>
+              <a:t>updates</a:t>
+            </a:r>
+            <a:endParaRPr lang="en-IN" dirty="0" smtClean="0"/>
+          </a:p>
+          <a:p>
+            <a:pPr lvl="1"/>
+            <a:endParaRPr lang="en-IN" dirty="0" smtClean="0"/>
+          </a:p>
           <a:p>
             <a:endParaRPr lang="en-IN" dirty="0" smtClean="0"/>
           </a:p>
@@ -3256,6 +3351,282 @@
             <a:spLocks noGrp="1"/>
           </p:cNvSpPr>
           <p:nvPr>
+            <p:ph type="title"/>
+          </p:nvPr>
+        </p:nvSpPr>
+        <p:spPr/>
+        <p:txBody>
+          <a:bodyPr/>
+          <a:lstStyle/>
+          <a:p>
+            <a:r>
+              <a:rPr lang="en-IN" dirty="0" err="1" smtClean="0"/>
+              <a:t>Scikit</a:t>
+            </a:r>
+            <a:r>
+              <a:rPr lang="en-IN" dirty="0" smtClean="0"/>
+              <a:t> Learn</a:t>
+            </a:r>
+            <a:endParaRPr lang="en-IN" dirty="0"/>
+          </a:p>
+        </p:txBody>
+      </p:sp>
+      <p:sp>
+        <p:nvSpPr>
+          <p:cNvPr id="3" name="Content Placeholder 2"/>
+          <p:cNvSpPr>
+            <a:spLocks noGrp="1"/>
+          </p:cNvSpPr>
+          <p:nvPr>
+            <p:ph idx="1"/>
+          </p:nvPr>
+        </p:nvSpPr>
+        <p:spPr/>
+        <p:txBody>
+          <a:bodyPr/>
+          <a:lstStyle/>
+          <a:p>
+            <a:r>
+              <a:rPr lang="en-IN" dirty="0" smtClean="0"/>
+              <a:t>Developer – </a:t>
+            </a:r>
+            <a:r>
+              <a:rPr lang="en-IN" dirty="0" smtClean="0"/>
+              <a:t>David </a:t>
+            </a:r>
+            <a:r>
+              <a:rPr lang="en-IN" dirty="0" err="1" smtClean="0"/>
+              <a:t>Cournapeau</a:t>
+            </a:r>
+            <a:endParaRPr lang="en-IN" dirty="0" smtClean="0"/>
+          </a:p>
+          <a:p>
+            <a:r>
+              <a:rPr lang="en-IN" dirty="0" smtClean="0"/>
+              <a:t>Machine learning framework</a:t>
+            </a:r>
+          </a:p>
+          <a:p>
+            <a:r>
+              <a:rPr lang="en-IN" dirty="0" smtClean="0"/>
+              <a:t>Supervised </a:t>
+            </a:r>
+            <a:r>
+              <a:rPr lang="en-IN" dirty="0" smtClean="0"/>
+              <a:t>and unsupervised algorithms</a:t>
+            </a:r>
+          </a:p>
+          <a:p>
+            <a:r>
+              <a:rPr lang="en-IN" dirty="0" smtClean="0"/>
+              <a:t>Platforms – Linux, Windows, and </a:t>
+            </a:r>
+            <a:r>
+              <a:rPr lang="en-IN" dirty="0" err="1" smtClean="0"/>
+              <a:t>macOS</a:t>
+            </a:r>
+            <a:endParaRPr lang="en-IN" dirty="0" smtClean="0"/>
+          </a:p>
+          <a:p>
+            <a:r>
+              <a:rPr lang="en-IN" dirty="0" smtClean="0"/>
+              <a:t>Programming </a:t>
+            </a:r>
+            <a:r>
+              <a:rPr lang="en-IN" dirty="0" smtClean="0"/>
+              <a:t>language – Python </a:t>
+            </a:r>
+          </a:p>
+          <a:p>
+            <a:r>
+              <a:rPr lang="en-IN" dirty="0" smtClean="0"/>
+              <a:t>License </a:t>
+            </a:r>
+            <a:r>
+              <a:rPr lang="en-IN" dirty="0" smtClean="0"/>
+              <a:t>– New BSD </a:t>
+            </a:r>
+            <a:r>
+              <a:rPr lang="en-IN" dirty="0" smtClean="0"/>
+              <a:t>License</a:t>
+            </a:r>
+            <a:endParaRPr lang="en-IN" dirty="0" smtClean="0"/>
+          </a:p>
+        </p:txBody>
+      </p:sp>
+    </p:spTree>
+  </p:cSld>
+  <p:clrMapOvr>
+    <a:masterClrMapping/>
+  </p:clrMapOvr>
+  <p:timing>
+    <p:tnLst>
+      <p:par>
+        <p:cTn id="1" dur="indefinite" restart="never" nodeType="tmRoot"/>
+      </p:par>
+    </p:tnLst>
+  </p:timing>
+</p:sld>
+</file>
+
+<file path=ppt/slides/slide12.xml><?xml version="1.0" encoding="utf-8"?>
+<p:sld xmlns:a="http://schemas.openxmlformats.org/drawingml/2006/main" xmlns:r="http://schemas.openxmlformats.org/officeDocument/2006/relationships" xmlns:p="http://schemas.openxmlformats.org/presentationml/2006/main">
+  <p:cSld>
+    <p:spTree>
+      <p:nvGrpSpPr>
+        <p:cNvPr id="1" name=""/>
+        <p:cNvGrpSpPr/>
+        <p:nvPr/>
+      </p:nvGrpSpPr>
+      <p:grpSpPr>
+        <a:xfrm>
+          <a:off x="0" y="0"/>
+          <a:ext cx="0" cy="0"/>
+          <a:chOff x="0" y="0"/>
+          <a:chExt cx="0" cy="0"/>
+        </a:xfrm>
+      </p:grpSpPr>
+      <p:sp>
+        <p:nvSpPr>
+          <p:cNvPr id="2" name="Title 1"/>
+          <p:cNvSpPr>
+            <a:spLocks noGrp="1"/>
+          </p:cNvSpPr>
+          <p:nvPr>
+            <p:ph type="title"/>
+          </p:nvPr>
+        </p:nvSpPr>
+        <p:spPr/>
+        <p:txBody>
+          <a:bodyPr/>
+          <a:lstStyle/>
+          <a:p>
+            <a:r>
+              <a:rPr lang="en-IN" dirty="0" err="1" smtClean="0"/>
+              <a:t>Scikit</a:t>
+            </a:r>
+            <a:r>
+              <a:rPr lang="en-IN" dirty="0" smtClean="0"/>
+              <a:t> Learn</a:t>
+            </a:r>
+            <a:endParaRPr lang="en-IN" dirty="0"/>
+          </a:p>
+        </p:txBody>
+      </p:sp>
+      <p:sp>
+        <p:nvSpPr>
+          <p:cNvPr id="3" name="Content Placeholder 2"/>
+          <p:cNvSpPr>
+            <a:spLocks noGrp="1"/>
+          </p:cNvSpPr>
+          <p:nvPr>
+            <p:ph idx="1"/>
+          </p:nvPr>
+        </p:nvSpPr>
+        <p:spPr/>
+        <p:txBody>
+          <a:bodyPr>
+            <a:normAutofit/>
+          </a:bodyPr>
+          <a:lstStyle/>
+          <a:p>
+            <a:r>
+              <a:rPr lang="en-IN" dirty="0" smtClean="0"/>
+              <a:t>Advantages</a:t>
+            </a:r>
+          </a:p>
+          <a:p>
+            <a:pPr lvl="1"/>
+            <a:r>
+              <a:rPr lang="en-IN" dirty="0" smtClean="0"/>
+              <a:t>Higher level API</a:t>
+            </a:r>
+            <a:endParaRPr lang="en-IN" dirty="0" smtClean="0"/>
+          </a:p>
+          <a:p>
+            <a:pPr lvl="1"/>
+            <a:r>
+              <a:rPr lang="en-IN" dirty="0" smtClean="0"/>
+              <a:t>Unsupervised algorithms</a:t>
+            </a:r>
+          </a:p>
+          <a:p>
+            <a:pPr lvl="1"/>
+            <a:r>
+              <a:rPr lang="en-IN" dirty="0" smtClean="0"/>
+              <a:t>Ensemble several </a:t>
+            </a:r>
+            <a:r>
+              <a:rPr lang="en-IN" dirty="0" smtClean="0"/>
+              <a:t>supervised </a:t>
+            </a:r>
+            <a:r>
+              <a:rPr lang="en-IN" dirty="0" smtClean="0"/>
+              <a:t>models</a:t>
+            </a:r>
+          </a:p>
+          <a:p>
+            <a:r>
+              <a:rPr lang="en-IN" dirty="0" smtClean="0"/>
+              <a:t>Disadvantages</a:t>
+            </a:r>
+          </a:p>
+          <a:p>
+            <a:pPr lvl="1"/>
+            <a:r>
+              <a:rPr lang="en-IN" dirty="0" smtClean="0"/>
+              <a:t>Hinder in-depth knowledge </a:t>
+            </a:r>
+            <a:endParaRPr lang="en-IN" dirty="0" smtClean="0"/>
+          </a:p>
+          <a:p>
+            <a:pPr lvl="1"/>
+            <a:endParaRPr lang="en-IN" dirty="0" smtClean="0"/>
+          </a:p>
+          <a:p>
+            <a:endParaRPr lang="en-IN" dirty="0" smtClean="0"/>
+          </a:p>
+        </p:txBody>
+      </p:sp>
+    </p:spTree>
+  </p:cSld>
+  <p:clrMapOvr>
+    <a:masterClrMapping/>
+  </p:clrMapOvr>
+  <p:timing>
+    <p:tnLst>
+      <p:par>
+        <p:cTn id="1" dur="indefinite" restart="never" nodeType="tmRoot"/>
+      </p:par>
+    </p:tnLst>
+  </p:timing>
+</p:sld>
+</file>
+
+<file path=ppt/slides/slide13.xml><?xml version="1.0" encoding="utf-8"?>
+<p:sld xmlns:a="http://schemas.openxmlformats.org/drawingml/2006/main" xmlns:r="http://schemas.openxmlformats.org/officeDocument/2006/relationships" xmlns:p="http://schemas.openxmlformats.org/presentationml/2006/main">
+  <p:cSld>
+    <p:spTree>
+      <p:nvGrpSpPr>
+        <p:cNvPr id="1" name=""/>
+        <p:cNvGrpSpPr/>
+        <p:nvPr/>
+      </p:nvGrpSpPr>
+      <p:grpSpPr>
+        <a:xfrm>
+          <a:off x="0" y="0"/>
+          <a:ext cx="0" cy="0"/>
+          <a:chOff x="0" y="0"/>
+          <a:chExt cx="0" cy="0"/>
+        </a:xfrm>
+      </p:grpSpPr>
+      <p:sp>
+        <p:nvSpPr>
+          <p:cNvPr id="2" name="Title 1"/>
+          <p:cNvSpPr>
+            <a:spLocks noGrp="1"/>
+          </p:cNvSpPr>
+          <p:nvPr>
             <p:ph type="ctrTitle"/>
           </p:nvPr>
         </p:nvSpPr>
@@ -3493,7 +3864,15 @@
           <a:p>
             <a:r>
               <a:rPr lang="en-IN" dirty="0" smtClean="0"/>
-              <a:t>CPU, GPU, and TPU </a:t>
+              <a:t>CPU, </a:t>
+            </a:r>
+            <a:r>
+              <a:rPr lang="en-IN" dirty="0" smtClean="0"/>
+              <a:t>GPU </a:t>
+            </a:r>
+            <a:r>
+              <a:rPr lang="en-IN" dirty="0" smtClean="0"/>
+              <a:t>and TPU </a:t>
             </a:r>
             <a:r>
               <a:rPr lang="en-IN" dirty="0" smtClean="0"/>
@@ -3521,11 +3900,11 @@
             <a:pPr lvl="1"/>
             <a:r>
               <a:rPr lang="en-IN" dirty="0" smtClean="0"/>
-              <a:t>Python, C++, Java</a:t>
-            </a:r>
-            <a:r>
-              <a:rPr lang="en-IN" dirty="0" smtClean="0"/>
-              <a:t>, and </a:t>
+              <a:t>Python, C++, </a:t>
+            </a:r>
+            <a:r>
+              <a:rPr lang="en-IN" dirty="0" smtClean="0"/>
+              <a:t>Java and </a:t>
             </a:r>
             <a:r>
               <a:rPr lang="en-IN" dirty="0" smtClean="0"/>
@@ -4108,20 +4487,35 @@
         </p:nvSpPr>
         <p:spPr/>
         <p:txBody>
-          <a:bodyPr/>
+          <a:bodyPr>
+            <a:normAutofit fontScale="92500" lnSpcReduction="10000"/>
+          </a:bodyPr>
           <a:lstStyle/>
           <a:p>
             <a:r>
               <a:rPr lang="en-IN" dirty="0" smtClean="0"/>
               <a:t>Developers </a:t>
             </a:r>
-            <a:r>
-              <a:rPr lang="en-IN" dirty="0" smtClean="0"/>
-              <a:t>– Meta AI, </a:t>
-            </a:r>
-            <a:r>
-              <a:rPr lang="en-IN" dirty="0" smtClean="0"/>
-              <a:t>and Linux Foundation </a:t>
+          </a:p>
+          <a:p>
+            <a:pPr lvl="1"/>
+            <a:r>
+              <a:rPr lang="en-IN" dirty="0" smtClean="0"/>
+              <a:t>Meta AI</a:t>
+            </a:r>
+          </a:p>
+          <a:p>
+            <a:pPr lvl="1"/>
+            <a:r>
+              <a:rPr lang="en-IN" dirty="0" smtClean="0"/>
+              <a:t>Linux Foundation </a:t>
+            </a:r>
+          </a:p>
+          <a:p>
+            <a:pPr lvl="1"/>
+            <a:r>
+              <a:rPr lang="en-IN" dirty="0" err="1" smtClean="0"/>
+              <a:t>Facebook</a:t>
             </a:r>
             <a:endParaRPr lang="en-IN" dirty="0" smtClean="0"/>
           </a:p>
@@ -4373,9 +4767,75 @@
         </p:nvSpPr>
         <p:spPr/>
         <p:txBody>
-          <a:bodyPr/>
-          <a:lstStyle/>
-          <a:p>
+          <a:bodyPr>
+            <a:normAutofit/>
+          </a:bodyPr>
+          <a:lstStyle/>
+          <a:p>
+            <a:r>
+              <a:rPr lang="en-IN" dirty="0" smtClean="0"/>
+              <a:t>Developer </a:t>
+            </a:r>
+            <a:r>
+              <a:rPr lang="en-IN" dirty="0" smtClean="0"/>
+              <a:t>– Apache </a:t>
+            </a:r>
+            <a:r>
+              <a:rPr lang="en-IN" dirty="0" smtClean="0"/>
+              <a:t>Software </a:t>
+            </a:r>
+            <a:r>
+              <a:rPr lang="en-IN" dirty="0" smtClean="0"/>
+              <a:t>Foundation</a:t>
+            </a:r>
+          </a:p>
+          <a:p>
+            <a:r>
+              <a:rPr lang="en-IN" dirty="0" smtClean="0"/>
+              <a:t>CPU </a:t>
+            </a:r>
+            <a:r>
+              <a:rPr lang="en-IN" dirty="0" smtClean="0"/>
+              <a:t>and GPU support</a:t>
+            </a:r>
+          </a:p>
+          <a:p>
+            <a:r>
+              <a:rPr lang="en-IN" dirty="0" smtClean="0"/>
+              <a:t>Platforms – Linux, </a:t>
+            </a:r>
+            <a:r>
+              <a:rPr lang="en-IN" dirty="0" smtClean="0"/>
+              <a:t>Windows, and </a:t>
+            </a:r>
+            <a:r>
+              <a:rPr lang="en-IN" dirty="0" err="1" smtClean="0"/>
+              <a:t>macOS</a:t>
+            </a:r>
+            <a:endParaRPr lang="en-IN" dirty="0" smtClean="0"/>
+          </a:p>
+          <a:p>
+            <a:r>
+              <a:rPr lang="en-IN" dirty="0" smtClean="0"/>
+              <a:t>Programming languages </a:t>
+            </a:r>
+          </a:p>
+          <a:p>
+            <a:pPr lvl="1"/>
+            <a:r>
+              <a:rPr lang="en-IN" dirty="0" smtClean="0"/>
+              <a:t>Python and C++</a:t>
+            </a:r>
+          </a:p>
+          <a:p>
+            <a:r>
+              <a:rPr lang="en-IN" dirty="0" smtClean="0"/>
+              <a:t>License – Apache License </a:t>
+            </a:r>
+            <a:r>
+              <a:rPr lang="en-IN" dirty="0" smtClean="0"/>
+              <a:t>2.0</a:t>
+            </a:r>
             <a:endParaRPr lang="en-IN" dirty="0" smtClean="0"/>
           </a:p>
           <a:p>

--- a/Introduction/MachineLearningFrameworks.pptx
+++ b/Introduction/MachineLearningFrameworks.pptx
@@ -17,7 +17,8 @@
     <p:sldId id="297" r:id="rId11"/>
     <p:sldId id="293" r:id="rId12"/>
     <p:sldId id="298" r:id="rId13"/>
-    <p:sldId id="287" r:id="rId14"/>
+    <p:sldId id="299" r:id="rId14"/>
+    <p:sldId id="287" r:id="rId15"/>
   </p:sldIdLst>
   <p:sldSz cx="9144000" cy="6858000" type="screen4x3"/>
   <p:notesSz cx="6858000" cy="9144000"/>
@@ -3547,7 +3548,7 @@
             <a:pPr lvl="1"/>
             <a:r>
               <a:rPr lang="en-IN" dirty="0" smtClean="0"/>
-              <a:t>Unsupervised algorithms</a:t>
+              <a:t>Unsupervised learning</a:t>
             </a:r>
           </a:p>
           <a:p>
@@ -3627,6 +3628,139 @@
             <a:spLocks noGrp="1"/>
           </p:cNvSpPr>
           <p:nvPr>
+            <p:ph type="title"/>
+          </p:nvPr>
+        </p:nvSpPr>
+        <p:spPr/>
+        <p:txBody>
+          <a:bodyPr/>
+          <a:lstStyle/>
+          <a:p>
+            <a:r>
+              <a:rPr lang="en-IN" dirty="0" smtClean="0"/>
+              <a:t>Conclusions</a:t>
+            </a:r>
+            <a:endParaRPr lang="en-IN" dirty="0"/>
+          </a:p>
+        </p:txBody>
+      </p:sp>
+      <p:sp>
+        <p:nvSpPr>
+          <p:cNvPr id="3" name="Content Placeholder 2"/>
+          <p:cNvSpPr>
+            <a:spLocks noGrp="1"/>
+          </p:cNvSpPr>
+          <p:nvPr>
+            <p:ph idx="1"/>
+          </p:nvPr>
+        </p:nvSpPr>
+        <p:spPr/>
+        <p:txBody>
+          <a:bodyPr>
+            <a:normAutofit/>
+          </a:bodyPr>
+          <a:lstStyle/>
+          <a:p>
+            <a:r>
+              <a:rPr lang="en-IN" dirty="0" smtClean="0"/>
+              <a:t>TensorFlow v/s </a:t>
+            </a:r>
+            <a:r>
+              <a:rPr lang="en-IN" dirty="0" err="1" smtClean="0"/>
+              <a:t>Keras</a:t>
+            </a:r>
+            <a:endParaRPr lang="en-IN" dirty="0" smtClean="0"/>
+          </a:p>
+          <a:p>
+            <a:r>
+              <a:rPr lang="en-IN" dirty="0" smtClean="0"/>
+              <a:t>TensorFlow v/s </a:t>
+            </a:r>
+            <a:r>
+              <a:rPr lang="en-IN" dirty="0" err="1" smtClean="0"/>
+              <a:t>PyTorch</a:t>
+            </a:r>
+            <a:endParaRPr lang="en-IN" dirty="0" smtClean="0"/>
+          </a:p>
+          <a:p>
+            <a:r>
+              <a:rPr lang="en-IN" dirty="0" smtClean="0"/>
+              <a:t> </a:t>
+            </a:r>
+            <a:r>
+              <a:rPr lang="en-IN" dirty="0" smtClean="0"/>
+              <a:t>Unsupervised </a:t>
+            </a:r>
+            <a:r>
+              <a:rPr lang="en-IN" dirty="0" smtClean="0"/>
+              <a:t>learning – </a:t>
+            </a:r>
+            <a:r>
+              <a:rPr lang="en-IN" dirty="0" err="1" smtClean="0"/>
+              <a:t>Scikit</a:t>
+            </a:r>
+            <a:r>
+              <a:rPr lang="en-IN" dirty="0" smtClean="0"/>
+              <a:t> Learn</a:t>
+            </a:r>
+          </a:p>
+          <a:p>
+            <a:r>
+              <a:rPr lang="en-IN" dirty="0" smtClean="0"/>
+              <a:t>Prototype – Python</a:t>
+            </a:r>
+          </a:p>
+          <a:p>
+            <a:r>
+              <a:rPr lang="en-IN" dirty="0" smtClean="0"/>
+              <a:t>Deployment – C++ </a:t>
+            </a:r>
+            <a:endParaRPr lang="en-IN" dirty="0" smtClean="0"/>
+          </a:p>
+          <a:p>
+            <a:endParaRPr lang="en-IN" dirty="0" smtClean="0"/>
+          </a:p>
+        </p:txBody>
+      </p:sp>
+    </p:spTree>
+  </p:cSld>
+  <p:clrMapOvr>
+    <a:masterClrMapping/>
+  </p:clrMapOvr>
+  <p:timing>
+    <p:tnLst>
+      <p:par>
+        <p:cTn id="1" dur="indefinite" restart="never" nodeType="tmRoot"/>
+      </p:par>
+    </p:tnLst>
+  </p:timing>
+</p:sld>
+</file>
+
+<file path=ppt/slides/slide14.xml><?xml version="1.0" encoding="utf-8"?>
+<p:sld xmlns:a="http://schemas.openxmlformats.org/drawingml/2006/main" xmlns:r="http://schemas.openxmlformats.org/officeDocument/2006/relationships" xmlns:p="http://schemas.openxmlformats.org/presentationml/2006/main">
+  <p:cSld>
+    <p:spTree>
+      <p:nvGrpSpPr>
+        <p:cNvPr id="1" name=""/>
+        <p:cNvGrpSpPr/>
+        <p:nvPr/>
+      </p:nvGrpSpPr>
+      <p:grpSpPr>
+        <a:xfrm>
+          <a:off x="0" y="0"/>
+          <a:ext cx="0" cy="0"/>
+          <a:chOff x="0" y="0"/>
+          <a:chExt cx="0" cy="0"/>
+        </a:xfrm>
+      </p:grpSpPr>
+      <p:sp>
+        <p:nvSpPr>
+          <p:cNvPr id="2" name="Title 1"/>
+          <p:cNvSpPr>
+            <a:spLocks noGrp="1"/>
+          </p:cNvSpPr>
+          <p:nvPr>
             <p:ph type="ctrTitle"/>
           </p:nvPr>
         </p:nvSpPr>
@@ -3770,8 +3904,19 @@
             </a:r>
             <a:r>
               <a:rPr lang="en-IN" dirty="0" smtClean="0"/>
-              <a:t> Learn</a:t>
-            </a:r>
+              <a:t> </a:t>
+            </a:r>
+            <a:r>
+              <a:rPr lang="en-IN" dirty="0" smtClean="0"/>
+              <a:t>Learn</a:t>
+            </a:r>
+          </a:p>
+          <a:p>
+            <a:r>
+              <a:rPr lang="en-IN" dirty="0" smtClean="0"/>
+              <a:t>Conclusions</a:t>
+            </a:r>
+            <a:endParaRPr lang="en-IN" dirty="0" smtClean="0"/>
           </a:p>
           <a:p>
             <a:endParaRPr lang="en-IN" dirty="0" smtClean="0"/>
